--- a/제출자료/발표자료/발표 자료_12주차_12조_남근우.pptx
+++ b/제출자료/발표자료/발표 자료_12주차_12조_남근우.pptx
@@ -7650,7 +7650,7 @@
                 <a:latin typeface="나눔고딕" panose="020D0604000000000000" pitchFamily="50" charset="-127"/>
                 <a:ea typeface="나눔고딕" panose="020D0604000000000000" pitchFamily="50" charset="-127"/>
               </a:rPr>
-              <a:t>에 저장</a:t>
+              <a:t>에 저장하는 기능</a:t>
             </a:r>
             <a:endParaRPr lang="en-US" altLang="ko-KR" spc="-1" dirty="0">
               <a:solidFill>
@@ -7685,14 +7685,14 @@
               <a:buChar char="-"/>
             </a:pPr>
             <a:r>
-              <a:rPr lang="ko-KR" altLang="en-US" spc="-1" dirty="0">
+              <a:rPr lang="ko-KR" altLang="en-US" spc="-1">
                 <a:solidFill>
                   <a:srgbClr val="745EA8"/>
                 </a:solidFill>
                 <a:latin typeface="나눔고딕" panose="020D0604000000000000" pitchFamily="50" charset="-127"/>
                 <a:ea typeface="나눔고딕" panose="020D0604000000000000" pitchFamily="50" charset="-127"/>
               </a:rPr>
-              <a:t>일정보다 늦어지고 있음</a:t>
+              <a:t>아직 구현 중</a:t>
             </a:r>
             <a:endParaRPr lang="en-US" spc="-1" dirty="0">
               <a:latin typeface="나눔고딕" panose="020D0604000000000000" pitchFamily="50" charset="-127"/>
